--- a/plots/CPS_fitness/figure_4_final_onlycostanzo.pptx
+++ b/plots/CPS_fitness/figure_4_final_onlycostanzo.pptx
@@ -115,9 +115,7 @@
 <file path=ppt/revisionInfo.xml><?xml version="1.0" encoding="utf-8"?>
 <p1510:revInfo xmlns:a="http://schemas.openxmlformats.org/drawingml/2006/main" xmlns:r="http://schemas.openxmlformats.org/officeDocument/2006/relationships" xmlns:p1510="http://schemas.microsoft.com/office/powerpoint/2015/10/main">
   <p1510:revLst>
-    <p1510:client id="{7E301796-C042-A649-8515-9A181D387D07}" v="1" dt="2023-08-15T13:26:09.830"/>
-    <p1510:client id="{84310ECD-097E-9446-BD2C-7596B002E578}" v="1" dt="2023-08-15T13:33:51.106"/>
-    <p1510:client id="{D0973372-19C4-F949-9CCC-20875613BD86}" v="1" dt="2023-08-15T13:30:27.020"/>
+    <p1510:client id="{84310ECD-097E-9446-BD2C-7596B002E578}" v="3" dt="2023-08-24T17:32:00.192"/>
   </p1510:revLst>
 </p1510:revInfo>
 </file>
@@ -206,27 +204,35 @@
   </pc:docChgLst>
   <pc:docChgLst>
     <pc:chgData name="Cecilia Trivellin" userId="77962b75-de7c-4c40-bb6b-4b915835e2f5" providerId="ADAL" clId="{84310ECD-097E-9446-BD2C-7596B002E578}"/>
-    <pc:docChg chg="modSld">
-      <pc:chgData name="Cecilia Trivellin" userId="77962b75-de7c-4c40-bb6b-4b915835e2f5" providerId="ADAL" clId="{84310ECD-097E-9446-BD2C-7596B002E578}" dt="2023-08-15T13:34:20.918" v="5" actId="20577"/>
+    <pc:docChg chg="custSel modSld">
+      <pc:chgData name="Cecilia Trivellin" userId="77962b75-de7c-4c40-bb6b-4b915835e2f5" providerId="ADAL" clId="{84310ECD-097E-9446-BD2C-7596B002E578}" dt="2023-08-24T17:32:22.466" v="29" actId="20577"/>
       <pc:docMkLst>
         <pc:docMk/>
       </pc:docMkLst>
-      <pc:sldChg chg="modSp mod">
-        <pc:chgData name="Cecilia Trivellin" userId="77962b75-de7c-4c40-bb6b-4b915835e2f5" providerId="ADAL" clId="{84310ECD-097E-9446-BD2C-7596B002E578}" dt="2023-08-15T13:34:20.918" v="5" actId="20577"/>
+      <pc:sldChg chg="addSp delSp modSp mod">
+        <pc:chgData name="Cecilia Trivellin" userId="77962b75-de7c-4c40-bb6b-4b915835e2f5" providerId="ADAL" clId="{84310ECD-097E-9446-BD2C-7596B002E578}" dt="2023-08-24T17:32:22.466" v="29" actId="20577"/>
         <pc:sldMkLst>
           <pc:docMk/>
           <pc:sldMk cId="1624886000" sldId="256"/>
         </pc:sldMkLst>
         <pc:spChg chg="mod">
-          <ac:chgData name="Cecilia Trivellin" userId="77962b75-de7c-4c40-bb6b-4b915835e2f5" providerId="ADAL" clId="{84310ECD-097E-9446-BD2C-7596B002E578}" dt="2023-08-15T13:34:20.918" v="5" actId="20577"/>
+          <ac:chgData name="Cecilia Trivellin" userId="77962b75-de7c-4c40-bb6b-4b915835e2f5" providerId="ADAL" clId="{84310ECD-097E-9446-BD2C-7596B002E578}" dt="2023-08-24T17:32:22.466" v="29" actId="20577"/>
           <ac:spMkLst>
             <pc:docMk/>
             <pc:sldMk cId="1624886000" sldId="256"/>
             <ac:spMk id="23" creationId="{55C96A3D-FBC5-F10B-3AA7-4D5A897E4A32}"/>
           </ac:spMkLst>
         </pc:spChg>
-        <pc:picChg chg="mod">
-          <ac:chgData name="Cecilia Trivellin" userId="77962b75-de7c-4c40-bb6b-4b915835e2f5" providerId="ADAL" clId="{84310ECD-097E-9446-BD2C-7596B002E578}" dt="2023-08-15T13:33:51.106" v="0" actId="14826"/>
+        <pc:picChg chg="add mod">
+          <ac:chgData name="Cecilia Trivellin" userId="77962b75-de7c-4c40-bb6b-4b915835e2f5" providerId="ADAL" clId="{84310ECD-097E-9446-BD2C-7596B002E578}" dt="2023-08-24T17:32:15.329" v="23" actId="1035"/>
+          <ac:picMkLst>
+            <pc:docMk/>
+            <pc:sldMk cId="1624886000" sldId="256"/>
+            <ac:picMk id="3" creationId="{7F87905D-20EC-237C-6815-07631449EC6F}"/>
+          </ac:picMkLst>
+        </pc:picChg>
+        <pc:picChg chg="del mod">
+          <ac:chgData name="Cecilia Trivellin" userId="77962b75-de7c-4c40-bb6b-4b915835e2f5" providerId="ADAL" clId="{84310ECD-097E-9446-BD2C-7596B002E578}" dt="2023-08-24T17:31:54.563" v="11" actId="478"/>
           <ac:picMkLst>
             <pc:docMk/>
             <pc:sldMk cId="1624886000" sldId="256"/>
@@ -370,7 +376,7 @@
           <a:p>
             <a:fld id="{BB4388B5-74DE-BA45-9FD7-F6D5BDF0B5A1}" type="datetimeFigureOut">
               <a:rPr lang="en-US" smtClean="0"/>
-              <a:t>8/15/23</a:t>
+              <a:t>8/24/23</a:t>
             </a:fld>
             <a:endParaRPr lang="en-US"/>
           </a:p>
@@ -540,7 +546,7 @@
           <a:p>
             <a:fld id="{BB4388B5-74DE-BA45-9FD7-F6D5BDF0B5A1}" type="datetimeFigureOut">
               <a:rPr lang="en-US" smtClean="0"/>
-              <a:t>8/15/23</a:t>
+              <a:t>8/24/23</a:t>
             </a:fld>
             <a:endParaRPr lang="en-US"/>
           </a:p>
@@ -720,7 +726,7 @@
           <a:p>
             <a:fld id="{BB4388B5-74DE-BA45-9FD7-F6D5BDF0B5A1}" type="datetimeFigureOut">
               <a:rPr lang="en-US" smtClean="0"/>
-              <a:t>8/15/23</a:t>
+              <a:t>8/24/23</a:t>
             </a:fld>
             <a:endParaRPr lang="en-US"/>
           </a:p>
@@ -890,7 +896,7 @@
           <a:p>
             <a:fld id="{BB4388B5-74DE-BA45-9FD7-F6D5BDF0B5A1}" type="datetimeFigureOut">
               <a:rPr lang="en-US" smtClean="0"/>
-              <a:t>8/15/23</a:t>
+              <a:t>8/24/23</a:t>
             </a:fld>
             <a:endParaRPr lang="en-US"/>
           </a:p>
@@ -1134,7 +1140,7 @@
           <a:p>
             <a:fld id="{BB4388B5-74DE-BA45-9FD7-F6D5BDF0B5A1}" type="datetimeFigureOut">
               <a:rPr lang="en-US" smtClean="0"/>
-              <a:t>8/15/23</a:t>
+              <a:t>8/24/23</a:t>
             </a:fld>
             <a:endParaRPr lang="en-US"/>
           </a:p>
@@ -1366,7 +1372,7 @@
           <a:p>
             <a:fld id="{BB4388B5-74DE-BA45-9FD7-F6D5BDF0B5A1}" type="datetimeFigureOut">
               <a:rPr lang="en-US" smtClean="0"/>
-              <a:t>8/15/23</a:t>
+              <a:t>8/24/23</a:t>
             </a:fld>
             <a:endParaRPr lang="en-US"/>
           </a:p>
@@ -1733,7 +1739,7 @@
           <a:p>
             <a:fld id="{BB4388B5-74DE-BA45-9FD7-F6D5BDF0B5A1}" type="datetimeFigureOut">
               <a:rPr lang="en-US" smtClean="0"/>
-              <a:t>8/15/23</a:t>
+              <a:t>8/24/23</a:t>
             </a:fld>
             <a:endParaRPr lang="en-US"/>
           </a:p>
@@ -1851,7 +1857,7 @@
           <a:p>
             <a:fld id="{BB4388B5-74DE-BA45-9FD7-F6D5BDF0B5A1}" type="datetimeFigureOut">
               <a:rPr lang="en-US" smtClean="0"/>
-              <a:t>8/15/23</a:t>
+              <a:t>8/24/23</a:t>
             </a:fld>
             <a:endParaRPr lang="en-US"/>
           </a:p>
@@ -1946,7 +1952,7 @@
           <a:p>
             <a:fld id="{BB4388B5-74DE-BA45-9FD7-F6D5BDF0B5A1}" type="datetimeFigureOut">
               <a:rPr lang="en-US" smtClean="0"/>
-              <a:t>8/15/23</a:t>
+              <a:t>8/24/23</a:t>
             </a:fld>
             <a:endParaRPr lang="en-US"/>
           </a:p>
@@ -2223,7 +2229,7 @@
           <a:p>
             <a:fld id="{BB4388B5-74DE-BA45-9FD7-F6D5BDF0B5A1}" type="datetimeFigureOut">
               <a:rPr lang="en-US" smtClean="0"/>
-              <a:t>8/15/23</a:t>
+              <a:t>8/24/23</a:t>
             </a:fld>
             <a:endParaRPr lang="en-US"/>
           </a:p>
@@ -2480,7 +2486,7 @@
           <a:p>
             <a:fld id="{BB4388B5-74DE-BA45-9FD7-F6D5BDF0B5A1}" type="datetimeFigureOut">
               <a:rPr lang="en-US" smtClean="0"/>
-              <a:t>8/15/23</a:t>
+              <a:t>8/24/23</a:t>
             </a:fld>
             <a:endParaRPr lang="en-US"/>
           </a:p>
@@ -2693,7 +2699,7 @@
           <a:p>
             <a:fld id="{BB4388B5-74DE-BA45-9FD7-F6D5BDF0B5A1}" type="datetimeFigureOut">
               <a:rPr lang="en-US" smtClean="0"/>
-              <a:t>8/15/23</a:t>
+              <a:t>8/24/23</a:t>
             </a:fld>
             <a:endParaRPr lang="en-US"/>
           </a:p>
@@ -3100,10 +3106,10 @@
       </p:grpSpPr>
       <p:pic>
         <p:nvPicPr>
-          <p:cNvPr id="9" name="Picture 8">
+          <p:cNvPr id="3" name="Picture 2">
             <a:extLst>
               <a:ext uri="{FF2B5EF4-FFF2-40B4-BE49-F238E27FC236}">
-                <a16:creationId xmlns:a16="http://schemas.microsoft.com/office/drawing/2014/main" id="{68954042-0BD1-1A76-53ED-46D24327A855}"/>
+                <a16:creationId xmlns:a16="http://schemas.microsoft.com/office/drawing/2014/main" id="{7F87905D-20EC-237C-6815-07631449EC6F}"/>
               </a:ext>
             </a:extLst>
           </p:cNvPr>
@@ -3114,13 +3120,14 @@
         </p:nvPicPr>
         <p:blipFill>
           <a:blip r:embed="rId2"/>
-          <a:srcRect/>
-          <a:stretch/>
+          <a:stretch>
+            <a:fillRect/>
+          </a:stretch>
         </p:blipFill>
         <p:spPr>
           <a:xfrm>
-            <a:off x="618350" y="331740"/>
-            <a:ext cx="8525649" cy="5683766"/>
+            <a:off x="791288" y="365533"/>
+            <a:ext cx="8357958" cy="5571972"/>
           </a:xfrm>
           <a:prstGeom prst="rect">
             <a:avLst/>
@@ -3663,29 +3670,19 @@
                 <a:latin typeface="Arial" panose="020B0604020202020204" pitchFamily="34" charset="0"/>
                 <a:cs typeface="Arial" panose="020B0604020202020204" pitchFamily="34" charset="0"/>
               </a:rPr>
-              <a:t>PERTUBATION SPACE: Costanzo </a:t>
-            </a:r>
-            <a:r>
-              <a:rPr lang="en-US" sz="1400" b="1" i="1" dirty="0" err="1">
+              <a:t>PERTUBATION SPACE: </a:t>
+            </a:r>
+            <a:r>
+              <a:rPr lang="en-US" sz="1400" b="1" dirty="0" err="1">
                 <a:latin typeface="Arial" panose="020B0604020202020204" pitchFamily="34" charset="0"/>
                 <a:cs typeface="Arial" panose="020B0604020202020204" pitchFamily="34" charset="0"/>
               </a:rPr>
-              <a:t>et.al</a:t>
-            </a:r>
-            <a:r>
-              <a:rPr lang="en-US" sz="1400" b="1" i="1" dirty="0">
-                <a:latin typeface="Arial" panose="020B0604020202020204" pitchFamily="34" charset="0"/>
-                <a:cs typeface="Arial" panose="020B0604020202020204" pitchFamily="34" charset="0"/>
-              </a:rPr>
-              <a:t>.,</a:t>
-            </a:r>
-            <a:r>
-              <a:rPr lang="en-US" sz="1400" b="1" dirty="0">
-                <a:latin typeface="Arial" panose="020B0604020202020204" pitchFamily="34" charset="0"/>
-                <a:cs typeface="Arial" panose="020B0604020202020204" pitchFamily="34" charset="0"/>
-              </a:rPr>
-              <a:t> perturbation set</a:t>
-            </a:r>
+              <a:t>CPSr</a:t>
+            </a:r>
+            <a:endParaRPr lang="en-US" sz="1400" b="1" dirty="0">
+              <a:latin typeface="Arial" panose="020B0604020202020204" pitchFamily="34" charset="0"/>
+              <a:cs typeface="Arial" panose="020B0604020202020204" pitchFamily="34" charset="0"/>
+            </a:endParaRPr>
           </a:p>
         </p:txBody>
       </p:sp>

--- a/plots/CPS_fitness/figure_4_final_onlycostanzo.pptx
+++ b/plots/CPS_fitness/figure_4_final_onlycostanzo.pptx
@@ -115,7 +115,7 @@
 <file path=ppt/revisionInfo.xml><?xml version="1.0" encoding="utf-8"?>
 <p1510:revInfo xmlns:a="http://schemas.openxmlformats.org/drawingml/2006/main" xmlns:r="http://schemas.openxmlformats.org/officeDocument/2006/relationships" xmlns:p1510="http://schemas.microsoft.com/office/powerpoint/2015/10/main">
   <p1510:revLst>
-    <p1510:client id="{84310ECD-097E-9446-BD2C-7596B002E578}" v="3" dt="2023-08-24T17:32:00.192"/>
+    <p1510:client id="{84310ECD-097E-9446-BD2C-7596B002E578}" v="4" dt="2023-08-25T11:02:12.471"/>
   </p1510:revLst>
 </p1510:revInfo>
 </file>
@@ -205,12 +205,12 @@
   <pc:docChgLst>
     <pc:chgData name="Cecilia Trivellin" userId="77962b75-de7c-4c40-bb6b-4b915835e2f5" providerId="ADAL" clId="{84310ECD-097E-9446-BD2C-7596B002E578}"/>
     <pc:docChg chg="custSel modSld">
-      <pc:chgData name="Cecilia Trivellin" userId="77962b75-de7c-4c40-bb6b-4b915835e2f5" providerId="ADAL" clId="{84310ECD-097E-9446-BD2C-7596B002E578}" dt="2023-08-24T17:32:22.466" v="29" actId="20577"/>
+      <pc:chgData name="Cecilia Trivellin" userId="77962b75-de7c-4c40-bb6b-4b915835e2f5" providerId="ADAL" clId="{84310ECD-097E-9446-BD2C-7596B002E578}" dt="2023-08-25T11:02:12.471" v="30" actId="14826"/>
       <pc:docMkLst>
         <pc:docMk/>
       </pc:docMkLst>
       <pc:sldChg chg="addSp delSp modSp mod">
-        <pc:chgData name="Cecilia Trivellin" userId="77962b75-de7c-4c40-bb6b-4b915835e2f5" providerId="ADAL" clId="{84310ECD-097E-9446-BD2C-7596B002E578}" dt="2023-08-24T17:32:22.466" v="29" actId="20577"/>
+        <pc:chgData name="Cecilia Trivellin" userId="77962b75-de7c-4c40-bb6b-4b915835e2f5" providerId="ADAL" clId="{84310ECD-097E-9446-BD2C-7596B002E578}" dt="2023-08-25T11:02:12.471" v="30" actId="14826"/>
         <pc:sldMkLst>
           <pc:docMk/>
           <pc:sldMk cId="1624886000" sldId="256"/>
@@ -224,7 +224,7 @@
           </ac:spMkLst>
         </pc:spChg>
         <pc:picChg chg="add mod">
-          <ac:chgData name="Cecilia Trivellin" userId="77962b75-de7c-4c40-bb6b-4b915835e2f5" providerId="ADAL" clId="{84310ECD-097E-9446-BD2C-7596B002E578}" dt="2023-08-24T17:32:15.329" v="23" actId="1035"/>
+          <ac:chgData name="Cecilia Trivellin" userId="77962b75-de7c-4c40-bb6b-4b915835e2f5" providerId="ADAL" clId="{84310ECD-097E-9446-BD2C-7596B002E578}" dt="2023-08-25T11:02:12.471" v="30" actId="14826"/>
           <ac:picMkLst>
             <pc:docMk/>
             <pc:sldMk cId="1624886000" sldId="256"/>
@@ -376,7 +376,7 @@
           <a:p>
             <a:fld id="{BB4388B5-74DE-BA45-9FD7-F6D5BDF0B5A1}" type="datetimeFigureOut">
               <a:rPr lang="en-US" smtClean="0"/>
-              <a:t>8/24/23</a:t>
+              <a:t>8/25/23</a:t>
             </a:fld>
             <a:endParaRPr lang="en-US"/>
           </a:p>
@@ -546,7 +546,7 @@
           <a:p>
             <a:fld id="{BB4388B5-74DE-BA45-9FD7-F6D5BDF0B5A1}" type="datetimeFigureOut">
               <a:rPr lang="en-US" smtClean="0"/>
-              <a:t>8/24/23</a:t>
+              <a:t>8/25/23</a:t>
             </a:fld>
             <a:endParaRPr lang="en-US"/>
           </a:p>
@@ -726,7 +726,7 @@
           <a:p>
             <a:fld id="{BB4388B5-74DE-BA45-9FD7-F6D5BDF0B5A1}" type="datetimeFigureOut">
               <a:rPr lang="en-US" smtClean="0"/>
-              <a:t>8/24/23</a:t>
+              <a:t>8/25/23</a:t>
             </a:fld>
             <a:endParaRPr lang="en-US"/>
           </a:p>
@@ -896,7 +896,7 @@
           <a:p>
             <a:fld id="{BB4388B5-74DE-BA45-9FD7-F6D5BDF0B5A1}" type="datetimeFigureOut">
               <a:rPr lang="en-US" smtClean="0"/>
-              <a:t>8/24/23</a:t>
+              <a:t>8/25/23</a:t>
             </a:fld>
             <a:endParaRPr lang="en-US"/>
           </a:p>
@@ -1140,7 +1140,7 @@
           <a:p>
             <a:fld id="{BB4388B5-74DE-BA45-9FD7-F6D5BDF0B5A1}" type="datetimeFigureOut">
               <a:rPr lang="en-US" smtClean="0"/>
-              <a:t>8/24/23</a:t>
+              <a:t>8/25/23</a:t>
             </a:fld>
             <a:endParaRPr lang="en-US"/>
           </a:p>
@@ -1372,7 +1372,7 @@
           <a:p>
             <a:fld id="{BB4388B5-74DE-BA45-9FD7-F6D5BDF0B5A1}" type="datetimeFigureOut">
               <a:rPr lang="en-US" smtClean="0"/>
-              <a:t>8/24/23</a:t>
+              <a:t>8/25/23</a:t>
             </a:fld>
             <a:endParaRPr lang="en-US"/>
           </a:p>
@@ -1739,7 +1739,7 @@
           <a:p>
             <a:fld id="{BB4388B5-74DE-BA45-9FD7-F6D5BDF0B5A1}" type="datetimeFigureOut">
               <a:rPr lang="en-US" smtClean="0"/>
-              <a:t>8/24/23</a:t>
+              <a:t>8/25/23</a:t>
             </a:fld>
             <a:endParaRPr lang="en-US"/>
           </a:p>
@@ -1857,7 +1857,7 @@
           <a:p>
             <a:fld id="{BB4388B5-74DE-BA45-9FD7-F6D5BDF0B5A1}" type="datetimeFigureOut">
               <a:rPr lang="en-US" smtClean="0"/>
-              <a:t>8/24/23</a:t>
+              <a:t>8/25/23</a:t>
             </a:fld>
             <a:endParaRPr lang="en-US"/>
           </a:p>
@@ -1952,7 +1952,7 @@
           <a:p>
             <a:fld id="{BB4388B5-74DE-BA45-9FD7-F6D5BDF0B5A1}" type="datetimeFigureOut">
               <a:rPr lang="en-US" smtClean="0"/>
-              <a:t>8/24/23</a:t>
+              <a:t>8/25/23</a:t>
             </a:fld>
             <a:endParaRPr lang="en-US"/>
           </a:p>
@@ -2229,7 +2229,7 @@
           <a:p>
             <a:fld id="{BB4388B5-74DE-BA45-9FD7-F6D5BDF0B5A1}" type="datetimeFigureOut">
               <a:rPr lang="en-US" smtClean="0"/>
-              <a:t>8/24/23</a:t>
+              <a:t>8/25/23</a:t>
             </a:fld>
             <a:endParaRPr lang="en-US"/>
           </a:p>
@@ -2486,7 +2486,7 @@
           <a:p>
             <a:fld id="{BB4388B5-74DE-BA45-9FD7-F6D5BDF0B5A1}" type="datetimeFigureOut">
               <a:rPr lang="en-US" smtClean="0"/>
-              <a:t>8/24/23</a:t>
+              <a:t>8/25/23</a:t>
             </a:fld>
             <a:endParaRPr lang="en-US"/>
           </a:p>
@@ -2699,7 +2699,7 @@
           <a:p>
             <a:fld id="{BB4388B5-74DE-BA45-9FD7-F6D5BDF0B5A1}" type="datetimeFigureOut">
               <a:rPr lang="en-US" smtClean="0"/>
-              <a:t>8/24/23</a:t>
+              <a:t>8/25/23</a:t>
             </a:fld>
             <a:endParaRPr lang="en-US"/>
           </a:p>
@@ -3120,9 +3120,8 @@
         </p:nvPicPr>
         <p:blipFill>
           <a:blip r:embed="rId2"/>
-          <a:stretch>
-            <a:fillRect/>
-          </a:stretch>
+          <a:srcRect/>
+          <a:stretch/>
         </p:blipFill>
         <p:spPr>
           <a:xfrm>

--- a/plots/CPS_fitness/figure_4_final_onlycostanzo.pptx
+++ b/plots/CPS_fitness/figure_4_final_onlycostanzo.pptx
@@ -205,16 +205,32 @@
   <pc:docChgLst>
     <pc:chgData name="Cecilia Trivellin" userId="77962b75-de7c-4c40-bb6b-4b915835e2f5" providerId="ADAL" clId="{84310ECD-097E-9446-BD2C-7596B002E578}"/>
     <pc:docChg chg="custSel modSld">
-      <pc:chgData name="Cecilia Trivellin" userId="77962b75-de7c-4c40-bb6b-4b915835e2f5" providerId="ADAL" clId="{84310ECD-097E-9446-BD2C-7596B002E578}" dt="2023-08-25T11:02:12.471" v="30" actId="14826"/>
+      <pc:chgData name="Cecilia Trivellin" userId="77962b75-de7c-4c40-bb6b-4b915835e2f5" providerId="ADAL" clId="{84310ECD-097E-9446-BD2C-7596B002E578}" dt="2023-09-03T16:30:31.644" v="46" actId="1036"/>
       <pc:docMkLst>
         <pc:docMk/>
       </pc:docMkLst>
       <pc:sldChg chg="addSp delSp modSp mod">
-        <pc:chgData name="Cecilia Trivellin" userId="77962b75-de7c-4c40-bb6b-4b915835e2f5" providerId="ADAL" clId="{84310ECD-097E-9446-BD2C-7596B002E578}" dt="2023-08-25T11:02:12.471" v="30" actId="14826"/>
+        <pc:chgData name="Cecilia Trivellin" userId="77962b75-de7c-4c40-bb6b-4b915835e2f5" providerId="ADAL" clId="{84310ECD-097E-9446-BD2C-7596B002E578}" dt="2023-09-03T16:30:31.644" v="46" actId="1036"/>
         <pc:sldMkLst>
           <pc:docMk/>
           <pc:sldMk cId="1624886000" sldId="256"/>
         </pc:sldMkLst>
+        <pc:spChg chg="mod">
+          <ac:chgData name="Cecilia Trivellin" userId="77962b75-de7c-4c40-bb6b-4b915835e2f5" providerId="ADAL" clId="{84310ECD-097E-9446-BD2C-7596B002E578}" dt="2023-09-03T16:30:31.644" v="46" actId="1036"/>
+          <ac:spMkLst>
+            <pc:docMk/>
+            <pc:sldMk cId="1624886000" sldId="256"/>
+            <ac:spMk id="18" creationId="{D8737C7D-E564-CCA9-B4D4-BD659C37BF36}"/>
+          </ac:spMkLst>
+        </pc:spChg>
+        <pc:spChg chg="mod">
+          <ac:chgData name="Cecilia Trivellin" userId="77962b75-de7c-4c40-bb6b-4b915835e2f5" providerId="ADAL" clId="{84310ECD-097E-9446-BD2C-7596B002E578}" dt="2023-09-03T16:30:31.644" v="46" actId="1036"/>
+          <ac:spMkLst>
+            <pc:docMk/>
+            <pc:sldMk cId="1624886000" sldId="256"/>
+            <ac:spMk id="19" creationId="{761C9B9D-5939-44D6-C1D4-8F0786A28CC4}"/>
+          </ac:spMkLst>
+        </pc:spChg>
         <pc:spChg chg="mod">
           <ac:chgData name="Cecilia Trivellin" userId="77962b75-de7c-4c40-bb6b-4b915835e2f5" providerId="ADAL" clId="{84310ECD-097E-9446-BD2C-7596B002E578}" dt="2023-08-24T17:32:22.466" v="29" actId="20577"/>
           <ac:spMkLst>
@@ -239,6 +255,14 @@
             <ac:picMk id="9" creationId="{68954042-0BD1-1A76-53ED-46D24327A855}"/>
           </ac:picMkLst>
         </pc:picChg>
+        <pc:cxnChg chg="mod">
+          <ac:chgData name="Cecilia Trivellin" userId="77962b75-de7c-4c40-bb6b-4b915835e2f5" providerId="ADAL" clId="{84310ECD-097E-9446-BD2C-7596B002E578}" dt="2023-09-03T16:30:31.644" v="46" actId="1036"/>
+          <ac:cxnSpMkLst>
+            <pc:docMk/>
+            <pc:sldMk cId="1624886000" sldId="256"/>
+            <ac:cxnSpMk id="21" creationId="{A59957B7-4388-2292-5C1B-8C82A66E1358}"/>
+          </ac:cxnSpMkLst>
+        </pc:cxnChg>
       </pc:sldChg>
     </pc:docChg>
   </pc:docChgLst>
@@ -376,7 +400,7 @@
           <a:p>
             <a:fld id="{BB4388B5-74DE-BA45-9FD7-F6D5BDF0B5A1}" type="datetimeFigureOut">
               <a:rPr lang="en-US" smtClean="0"/>
-              <a:t>8/25/23</a:t>
+              <a:t>9/3/23</a:t>
             </a:fld>
             <a:endParaRPr lang="en-US"/>
           </a:p>
@@ -546,7 +570,7 @@
           <a:p>
             <a:fld id="{BB4388B5-74DE-BA45-9FD7-F6D5BDF0B5A1}" type="datetimeFigureOut">
               <a:rPr lang="en-US" smtClean="0"/>
-              <a:t>8/25/23</a:t>
+              <a:t>9/3/23</a:t>
             </a:fld>
             <a:endParaRPr lang="en-US"/>
           </a:p>
@@ -726,7 +750,7 @@
           <a:p>
             <a:fld id="{BB4388B5-74DE-BA45-9FD7-F6D5BDF0B5A1}" type="datetimeFigureOut">
               <a:rPr lang="en-US" smtClean="0"/>
-              <a:t>8/25/23</a:t>
+              <a:t>9/3/23</a:t>
             </a:fld>
             <a:endParaRPr lang="en-US"/>
           </a:p>
@@ -896,7 +920,7 @@
           <a:p>
             <a:fld id="{BB4388B5-74DE-BA45-9FD7-F6D5BDF0B5A1}" type="datetimeFigureOut">
               <a:rPr lang="en-US" smtClean="0"/>
-              <a:t>8/25/23</a:t>
+              <a:t>9/3/23</a:t>
             </a:fld>
             <a:endParaRPr lang="en-US"/>
           </a:p>
@@ -1140,7 +1164,7 @@
           <a:p>
             <a:fld id="{BB4388B5-74DE-BA45-9FD7-F6D5BDF0B5A1}" type="datetimeFigureOut">
               <a:rPr lang="en-US" smtClean="0"/>
-              <a:t>8/25/23</a:t>
+              <a:t>9/3/23</a:t>
             </a:fld>
             <a:endParaRPr lang="en-US"/>
           </a:p>
@@ -1372,7 +1396,7 @@
           <a:p>
             <a:fld id="{BB4388B5-74DE-BA45-9FD7-F6D5BDF0B5A1}" type="datetimeFigureOut">
               <a:rPr lang="en-US" smtClean="0"/>
-              <a:t>8/25/23</a:t>
+              <a:t>9/3/23</a:t>
             </a:fld>
             <a:endParaRPr lang="en-US"/>
           </a:p>
@@ -1739,7 +1763,7 @@
           <a:p>
             <a:fld id="{BB4388B5-74DE-BA45-9FD7-F6D5BDF0B5A1}" type="datetimeFigureOut">
               <a:rPr lang="en-US" smtClean="0"/>
-              <a:t>8/25/23</a:t>
+              <a:t>9/3/23</a:t>
             </a:fld>
             <a:endParaRPr lang="en-US"/>
           </a:p>
@@ -1857,7 +1881,7 @@
           <a:p>
             <a:fld id="{BB4388B5-74DE-BA45-9FD7-F6D5BDF0B5A1}" type="datetimeFigureOut">
               <a:rPr lang="en-US" smtClean="0"/>
-              <a:t>8/25/23</a:t>
+              <a:t>9/3/23</a:t>
             </a:fld>
             <a:endParaRPr lang="en-US"/>
           </a:p>
@@ -1952,7 +1976,7 @@
           <a:p>
             <a:fld id="{BB4388B5-74DE-BA45-9FD7-F6D5BDF0B5A1}" type="datetimeFigureOut">
               <a:rPr lang="en-US" smtClean="0"/>
-              <a:t>8/25/23</a:t>
+              <a:t>9/3/23</a:t>
             </a:fld>
             <a:endParaRPr lang="en-US"/>
           </a:p>
@@ -2229,7 +2253,7 @@
           <a:p>
             <a:fld id="{BB4388B5-74DE-BA45-9FD7-F6D5BDF0B5A1}" type="datetimeFigureOut">
               <a:rPr lang="en-US" smtClean="0"/>
-              <a:t>8/25/23</a:t>
+              <a:t>9/3/23</a:t>
             </a:fld>
             <a:endParaRPr lang="en-US"/>
           </a:p>
@@ -2486,7 +2510,7 @@
           <a:p>
             <a:fld id="{BB4388B5-74DE-BA45-9FD7-F6D5BDF0B5A1}" type="datetimeFigureOut">
               <a:rPr lang="en-US" smtClean="0"/>
-              <a:t>8/25/23</a:t>
+              <a:t>9/3/23</a:t>
             </a:fld>
             <a:endParaRPr lang="en-US"/>
           </a:p>
@@ -2699,7 +2723,7 @@
           <a:p>
             <a:fld id="{BB4388B5-74DE-BA45-9FD7-F6D5BDF0B5A1}" type="datetimeFigureOut">
               <a:rPr lang="en-US" smtClean="0"/>
-              <a:t>8/25/23</a:t>
+              <a:t>9/3/23</a:t>
             </a:fld>
             <a:endParaRPr lang="en-US"/>
           </a:p>
@@ -3495,7 +3519,7 @@
         </p:nvSpPr>
         <p:spPr>
           <a:xfrm rot="16200000">
-            <a:off x="-608023" y="1947325"/>
+            <a:off x="-608023" y="1539361"/>
             <a:ext cx="1943196" cy="307777"/>
           </a:xfrm>
           <a:prstGeom prst="rect">
@@ -3533,7 +3557,7 @@
         </p:nvSpPr>
         <p:spPr>
           <a:xfrm rot="16200000">
-            <a:off x="-734349" y="4186984"/>
+            <a:off x="-734349" y="3779020"/>
             <a:ext cx="2195848" cy="307777"/>
           </a:xfrm>
           <a:prstGeom prst="rect">
@@ -3571,7 +3595,7 @@
         </p:nvCxnSpPr>
         <p:spPr>
           <a:xfrm>
-            <a:off x="139962" y="3231409"/>
+            <a:off x="139962" y="2823445"/>
             <a:ext cx="447229" cy="0"/>
           </a:xfrm>
           <a:prstGeom prst="line">
